--- a/docs/download/Educazione civica sui ospedali psichiatrici.pptx
+++ b/docs/download/Educazione civica sui ospedali psichiatrici.pptx
@@ -108,6 +108,11 @@
       </a:defRPr>
     </a:lvl9pPr>
   </p:defaultTextStyle>
+  <p:extLst>
+    <p:ext uri="{EFAFB233-063F-42B5-8137-9DF3F51BA10A}">
+      <p15:sldGuideLst xmlns:p15="http://schemas.microsoft.com/office/powerpoint/2012/main"/>
+    </p:ext>
+  </p:extLst>
 </p:presentation>
 </file>
 
@@ -242,7 +247,7 @@
           <a:p>
             <a:fld id="{6548092F-3821-4D3F-90AE-31AE13D32A59}" type="datetimeFigureOut">
               <a:rPr lang="it-IT" smtClean="0"/>
-              <a:t>25/04/2023</a:t>
+              <a:t>23/05/2023</a:t>
             </a:fld>
             <a:endParaRPr lang="it-IT"/>
           </a:p>
@@ -412,7 +417,7 @@
           <a:p>
             <a:fld id="{6548092F-3821-4D3F-90AE-31AE13D32A59}" type="datetimeFigureOut">
               <a:rPr lang="it-IT" smtClean="0"/>
-              <a:t>25/04/2023</a:t>
+              <a:t>23/05/2023</a:t>
             </a:fld>
             <a:endParaRPr lang="it-IT"/>
           </a:p>
@@ -592,7 +597,7 @@
           <a:p>
             <a:fld id="{6548092F-3821-4D3F-90AE-31AE13D32A59}" type="datetimeFigureOut">
               <a:rPr lang="it-IT" smtClean="0"/>
-              <a:t>25/04/2023</a:t>
+              <a:t>23/05/2023</a:t>
             </a:fld>
             <a:endParaRPr lang="it-IT"/>
           </a:p>
@@ -762,7 +767,7 @@
           <a:p>
             <a:fld id="{6548092F-3821-4D3F-90AE-31AE13D32A59}" type="datetimeFigureOut">
               <a:rPr lang="it-IT" smtClean="0"/>
-              <a:t>25/04/2023</a:t>
+              <a:t>23/05/2023</a:t>
             </a:fld>
             <a:endParaRPr lang="it-IT"/>
           </a:p>
@@ -1008,7 +1013,7 @@
           <a:p>
             <a:fld id="{6548092F-3821-4D3F-90AE-31AE13D32A59}" type="datetimeFigureOut">
               <a:rPr lang="it-IT" smtClean="0"/>
-              <a:t>25/04/2023</a:t>
+              <a:t>23/05/2023</a:t>
             </a:fld>
             <a:endParaRPr lang="it-IT"/>
           </a:p>
@@ -1240,7 +1245,7 @@
           <a:p>
             <a:fld id="{6548092F-3821-4D3F-90AE-31AE13D32A59}" type="datetimeFigureOut">
               <a:rPr lang="it-IT" smtClean="0"/>
-              <a:t>25/04/2023</a:t>
+              <a:t>23/05/2023</a:t>
             </a:fld>
             <a:endParaRPr lang="it-IT"/>
           </a:p>
@@ -1607,7 +1612,7 @@
           <a:p>
             <a:fld id="{6548092F-3821-4D3F-90AE-31AE13D32A59}" type="datetimeFigureOut">
               <a:rPr lang="it-IT" smtClean="0"/>
-              <a:t>25/04/2023</a:t>
+              <a:t>23/05/2023</a:t>
             </a:fld>
             <a:endParaRPr lang="it-IT"/>
           </a:p>
@@ -1725,7 +1730,7 @@
           <a:p>
             <a:fld id="{6548092F-3821-4D3F-90AE-31AE13D32A59}" type="datetimeFigureOut">
               <a:rPr lang="it-IT" smtClean="0"/>
-              <a:t>25/04/2023</a:t>
+              <a:t>23/05/2023</a:t>
             </a:fld>
             <a:endParaRPr lang="it-IT"/>
           </a:p>
@@ -1820,7 +1825,7 @@
           <a:p>
             <a:fld id="{6548092F-3821-4D3F-90AE-31AE13D32A59}" type="datetimeFigureOut">
               <a:rPr lang="it-IT" smtClean="0"/>
-              <a:t>25/04/2023</a:t>
+              <a:t>23/05/2023</a:t>
             </a:fld>
             <a:endParaRPr lang="it-IT"/>
           </a:p>
@@ -2097,7 +2102,7 @@
           <a:p>
             <a:fld id="{6548092F-3821-4D3F-90AE-31AE13D32A59}" type="datetimeFigureOut">
               <a:rPr lang="it-IT" smtClean="0"/>
-              <a:t>25/04/2023</a:t>
+              <a:t>23/05/2023</a:t>
             </a:fld>
             <a:endParaRPr lang="it-IT"/>
           </a:p>
@@ -2350,7 +2355,7 @@
           <a:p>
             <a:fld id="{6548092F-3821-4D3F-90AE-31AE13D32A59}" type="datetimeFigureOut">
               <a:rPr lang="it-IT" smtClean="0"/>
-              <a:t>25/04/2023</a:t>
+              <a:t>23/05/2023</a:t>
             </a:fld>
             <a:endParaRPr lang="it-IT"/>
           </a:p>
@@ -2581,7 +2586,7 @@
           <a:p>
             <a:fld id="{6548092F-3821-4D3F-90AE-31AE13D32A59}" type="datetimeFigureOut">
               <a:rPr lang="it-IT" smtClean="0"/>
-              <a:t>25/04/2023</a:t>
+              <a:t>23/05/2023</a:t>
             </a:fld>
             <a:endParaRPr lang="it-IT"/>
           </a:p>
@@ -3423,8 +3428,8 @@
         </p:nvSpPr>
         <p:spPr>
           <a:xfrm>
-            <a:off x="430822" y="2655279"/>
-            <a:ext cx="5099538" cy="2690445"/>
+            <a:off x="197825" y="2655279"/>
+            <a:ext cx="5565532" cy="2690445"/>
           </a:xfrm>
         </p:spPr>
         <p:txBody>
@@ -3433,7 +3438,15 @@
           <a:p>
             <a:r>
               <a:rPr lang="it-IT" dirty="0" smtClean="0"/>
-              <a:t>Ha scritto diversi tra cui «</a:t>
+              <a:t>Ha scritto </a:t>
+            </a:r>
+            <a:r>
+              <a:rPr lang="it-IT" dirty="0" smtClean="0"/>
+              <a:t>diversi libri </a:t>
+            </a:r>
+            <a:r>
+              <a:rPr lang="it-IT" dirty="0" smtClean="0"/>
+              <a:t>tra cui «</a:t>
             </a:r>
             <a:r>
               <a:rPr lang="it-IT" b="1" u="sng" dirty="0" smtClean="0"/>
